--- a/Sentiment Analysis on Oil.pptx
+++ b/Sentiment Analysis on Oil.pptx
@@ -5,15 +5,16 @@
     <p:sldMasterId id="2147483648" r:id="rId1"/>
   </p:sldMasterIdLst>
   <p:notesMasterIdLst>
-    <p:notesMasterId r:id="rId5"/>
+    <p:notesMasterId r:id="rId6"/>
   </p:notesMasterIdLst>
   <p:handoutMasterIdLst>
-    <p:handoutMasterId r:id="rId6"/>
+    <p:handoutMasterId r:id="rId7"/>
   </p:handoutMasterIdLst>
   <p:sldIdLst>
     <p:sldId id="265" r:id="rId2"/>
     <p:sldId id="299" r:id="rId3"/>
-    <p:sldId id="300" r:id="rId4"/>
+    <p:sldId id="301" r:id="rId4"/>
+    <p:sldId id="300" r:id="rId5"/>
   </p:sldIdLst>
   <p:sldSz cx="12192000" cy="6858000"/>
   <p:notesSz cx="6858000" cy="9144000"/>
@@ -150,6 +151,10 @@
 </p:cmAuthorLst>
 </file>
 
+<file path=ppt/revisionInfo.xml><?xml version="1.0" encoding="utf-8"?>
+<p1510:revInfo xmlns:a="http://schemas.openxmlformats.org/drawingml/2006/main" xmlns:r="http://schemas.openxmlformats.org/officeDocument/2006/relationships" xmlns:p1510="http://schemas.microsoft.com/office/powerpoint/2015/10/main"/>
+</file>
+
 <file path=ppt/handoutMasters/handoutMaster1.xml><?xml version="1.0" encoding="utf-8"?>
 <p:handoutMaster xmlns:a="http://schemas.openxmlformats.org/drawingml/2006/main" xmlns:r="http://schemas.openxmlformats.org/officeDocument/2006/relationships" xmlns:p="http://schemas.openxmlformats.org/presentationml/2006/main">
   <p:cSld>
@@ -232,7 +237,7 @@
           <a:p>
             <a:fld id="{20EA5F0D-C1DC-412F-A146-DDB3A74B588F}" type="datetimeFigureOut">
               <a:rPr lang="en-US"/>
-              <a:t>1/6/2018</a:t>
+              <a:t>1/7/2018</a:t>
             </a:fld>
             <a:endParaRPr/>
           </a:p>
@@ -5203,70 +5208,58 @@
         <p:spPr/>
         <p:txBody>
           <a:bodyPr>
-            <a:normAutofit fontScale="62500" lnSpcReduction="20000"/>
+            <a:normAutofit fontScale="92500" lnSpcReduction="20000"/>
           </a:bodyPr>
           <a:lstStyle/>
           <a:p>
             <a:r>
               <a:rPr lang="en-US" dirty="0"/>
-              <a:t>Project Title – Impact of Sentiment Analysis on Oil &amp; Gas companies Stock trades.</a:t>
+              <a:t>Project Title – Impact of Sentiment Analysis on Oil &amp; Gas companies Stock price</a:t>
             </a:r>
           </a:p>
           <a:p>
             <a:r>
               <a:rPr lang="en-US" dirty="0"/>
-              <a:t>Team Members – George, Alejandron, Manu and Rajat.</a:t>
+              <a:t>Team Members – George, Alejandron, Manu and Rajat</a:t>
             </a:r>
           </a:p>
           <a:p>
             <a:r>
               <a:rPr lang="en-US" dirty="0"/>
-              <a:t>Project Description/Outline – Project is to understand the impact of Social Sentiments on Oil Companies stocks listed on S&amp;P500 (note: scope is limited to 5-10 Oil companies stocks price analysis).</a:t>
+              <a:t>Project Description/Outline – Project is to understand the impact of Social Sentiments on Oil Companies stocks listed on S&amp;P500 (note: scope is limited to 5-10 Oil companies stocks price analysis)</a:t>
             </a:r>
           </a:p>
           <a:p>
             <a:r>
               <a:rPr lang="en-US" dirty="0"/>
-              <a:t>Research Description/Outline –  Aim of the research is to take sample Tweets (unstructured data) and analyze the positive, negative and neutral sentiments impact on the Oil stock price. This research will help determine the correlation between the Sentiments and stocks. Our Twitter analysis can help investors take intelligent decisions on trading (calls/puts) Oil companies stocks from correlation data. Also, companies can take proactive decisions in terms of communicating with their respective shareholders based on the sentiments.</a:t>
+              <a:t>Research Description/Outline –  Aim of the research is to take sample Tweets (unstructured data) and analyze the positive, negative and neutral sentiments as compare to the Oil stocks price. This research will help us understand the correlation between the Sentiments and stock price. </a:t>
             </a:r>
           </a:p>
           <a:p>
             <a:r>
               <a:rPr lang="en-US" dirty="0"/>
-              <a:t>Research Questions to Answer – Our research questions, </a:t>
-            </a:r>
-          </a:p>
-          <a:p>
-            <a:pPr marL="45720" indent="0">
-              <a:buNone/>
-            </a:pPr>
+              <a:t>Outcome – </a:t>
+            </a:r>
+          </a:p>
+          <a:p>
+            <a:pPr lvl="1"/>
             <a:r>
               <a:rPr lang="en-US" dirty="0"/>
-              <a:t>     Q1. Why investors &amp; Oil companies should pay attention to social analytics data? </a:t>
-            </a:r>
-          </a:p>
-          <a:p>
-            <a:pPr marL="45720" indent="0">
-              <a:buNone/>
-            </a:pPr>
+              <a:t>Our Twitter analysis can help,</a:t>
+            </a:r>
+          </a:p>
+          <a:p>
+            <a:pPr lvl="2"/>
             <a:r>
               <a:rPr lang="en-US" dirty="0"/>
-              <a:t>     Q2. How much do Sentiments impact on Oil prices?</a:t>
-            </a:r>
-          </a:p>
-          <a:p>
-            <a:pPr marL="45720" indent="0">
-              <a:buNone/>
-            </a:pPr>
+              <a:t> Investors take intelligent decisions regarding trading (calls/puts) on Oil company stocks</a:t>
+            </a:r>
+          </a:p>
+          <a:p>
+            <a:pPr lvl="2"/>
             <a:r>
               <a:rPr lang="en-US" dirty="0"/>
-              <a:t>     Q3. Will investors be able to take smart investment decisions based on historical trends?</a:t>
-            </a:r>
-          </a:p>
-          <a:p>
-            <a:r>
-              <a:rPr lang="en-US" dirty="0"/>
-              <a:t>Data Sets to be Used – Tweets &amp; Stock price  historical data for last “X” number of days. Tweets under consideration may be #OPEC, # Brent, #WTI,#CL and US independent Oil and gas companies such as PXD, EOG, Chevron and EXON</a:t>
+              <a:t> Companies can measure the impact of sentiment on their top line (revenue) </a:t>
             </a:r>
           </a:p>
         </p:txBody>
@@ -5297,6 +5290,157 @@
 </file>
 
 <file path=ppt/slides/slide3.xml><?xml version="1.0" encoding="utf-8"?>
+<p:sld xmlns:a="http://schemas.openxmlformats.org/drawingml/2006/main" xmlns:r="http://schemas.openxmlformats.org/officeDocument/2006/relationships" xmlns:p="http://schemas.openxmlformats.org/presentationml/2006/main">
+  <p:cSld>
+    <p:spTree>
+      <p:nvGrpSpPr>
+        <p:cNvPr id="1" name=""/>
+        <p:cNvGrpSpPr/>
+        <p:nvPr/>
+      </p:nvGrpSpPr>
+      <p:grpSpPr>
+        <a:xfrm>
+          <a:off x="0" y="0"/>
+          <a:ext cx="0" cy="0"/>
+          <a:chOff x="0" y="0"/>
+          <a:chExt cx="0" cy="0"/>
+        </a:xfrm>
+      </p:grpSpPr>
+      <p:sp>
+        <p:nvSpPr>
+          <p:cNvPr id="2" name="Title 1">
+            <a:extLst>
+              <a:ext uri="{FF2B5EF4-FFF2-40B4-BE49-F238E27FC236}">
+                <a16:creationId xmlns:a16="http://schemas.microsoft.com/office/drawing/2014/main" id="{F969AFBD-6A31-42AC-81FC-ED7A84E84278}"/>
+              </a:ext>
+            </a:extLst>
+          </p:cNvPr>
+          <p:cNvSpPr>
+            <a:spLocks noGrp="1"/>
+          </p:cNvSpPr>
+          <p:nvPr>
+            <p:ph type="title"/>
+          </p:nvPr>
+        </p:nvSpPr>
+        <p:spPr/>
+        <p:txBody>
+          <a:bodyPr/>
+          <a:lstStyle/>
+          <a:p>
+            <a:r>
+              <a:rPr lang="en-US" dirty="0"/>
+              <a:t>Project Details</a:t>
+            </a:r>
+          </a:p>
+        </p:txBody>
+      </p:sp>
+      <p:sp>
+        <p:nvSpPr>
+          <p:cNvPr id="3" name="Content Placeholder 2">
+            <a:extLst>
+              <a:ext uri="{FF2B5EF4-FFF2-40B4-BE49-F238E27FC236}">
+                <a16:creationId xmlns:a16="http://schemas.microsoft.com/office/drawing/2014/main" id="{BD339655-7699-4CFB-80A7-946615CF74E9}"/>
+              </a:ext>
+            </a:extLst>
+          </p:cNvPr>
+          <p:cNvSpPr>
+            <a:spLocks noGrp="1"/>
+          </p:cNvSpPr>
+          <p:nvPr>
+            <p:ph idx="1"/>
+          </p:nvPr>
+        </p:nvSpPr>
+        <p:spPr/>
+        <p:txBody>
+          <a:bodyPr/>
+          <a:lstStyle/>
+          <a:p>
+            <a:r>
+              <a:rPr lang="en-US" dirty="0"/>
+              <a:t>Research Questions to Answer – Our research questions, </a:t>
+            </a:r>
+          </a:p>
+          <a:p>
+            <a:pPr marL="45720" indent="0">
+              <a:buNone/>
+            </a:pPr>
+            <a:r>
+              <a:rPr lang="en-US" dirty="0"/>
+              <a:t>     Q1. Why investors &amp; Oil companies should pay attention to social analytics data? </a:t>
+            </a:r>
+          </a:p>
+          <a:p>
+            <a:pPr marL="45720" indent="0">
+              <a:buNone/>
+            </a:pPr>
+            <a:r>
+              <a:rPr lang="en-US" dirty="0"/>
+              <a:t>     Q2. How much do Sentiments impact on Oil prices?</a:t>
+            </a:r>
+          </a:p>
+          <a:p>
+            <a:pPr marL="45720" indent="0">
+              <a:buNone/>
+            </a:pPr>
+            <a:r>
+              <a:rPr lang="en-US" dirty="0"/>
+              <a:t>     Q3. Will investors be able to take smart investment decisions based on historical trends?</a:t>
+            </a:r>
+          </a:p>
+          <a:p>
+            <a:r>
+              <a:rPr lang="en-US" dirty="0"/>
+              <a:t>Data Sets to be Used – </a:t>
+            </a:r>
+          </a:p>
+          <a:p>
+            <a:pPr lvl="1"/>
+            <a:r>
+              <a:rPr lang="en-US" dirty="0"/>
+              <a:t>Tweets &amp; Stock price  historical data for last “X” number of days. </a:t>
+            </a:r>
+          </a:p>
+          <a:p>
+            <a:pPr lvl="1"/>
+            <a:r>
+              <a:rPr lang="en-US" dirty="0"/>
+              <a:t>Tweets under consideration may be #OPEC, # Brent, #WTI,#CL and US independent Oil and gas companies such as PXD, EOG, Chevron and EXON</a:t>
+            </a:r>
+          </a:p>
+          <a:p>
+            <a:pPr marL="45720" indent="0">
+              <a:buNone/>
+            </a:pPr>
+            <a:endParaRPr lang="en-US" dirty="0"/>
+          </a:p>
+        </p:txBody>
+      </p:sp>
+    </p:spTree>
+    <p:extLst>
+      <p:ext uri="{BB962C8B-B14F-4D97-AF65-F5344CB8AC3E}">
+        <p14:creationId xmlns:p14="http://schemas.microsoft.com/office/powerpoint/2010/main" val="358732367"/>
+      </p:ext>
+    </p:extLst>
+  </p:cSld>
+  <p:clrMapOvr>
+    <a:masterClrMapping/>
+  </p:clrMapOvr>
+  <mc:AlternateContent xmlns:mc="http://schemas.openxmlformats.org/markup-compatibility/2006" xmlns:p14="http://schemas.microsoft.com/office/powerpoint/2010/main">
+    <mc:Choice Requires="p14">
+      <p:transition spd="med" p14:dur="700">
+        <p:fade/>
+      </p:transition>
+    </mc:Choice>
+    <mc:Fallback xmlns="">
+      <p:transition spd="med">
+        <p:fade/>
+      </p:transition>
+    </mc:Fallback>
+  </mc:AlternateContent>
+</p:sld>
+</file>
+
+<file path=ppt/slides/slide4.xml><?xml version="1.0" encoding="utf-8"?>
 <p:sld xmlns:a="http://schemas.openxmlformats.org/drawingml/2006/main" xmlns:r="http://schemas.openxmlformats.org/officeDocument/2006/relationships" xmlns:p="http://schemas.openxmlformats.org/presentationml/2006/main">
   <p:cSld>
     <p:spTree>
